--- a/Project Documents/Disease Prognosis Expert System.pptx
+++ b/Project Documents/Disease Prognosis Expert System.pptx
@@ -2,25 +2,25 @@
 <file path=ppt/presentation.xml><?xml version="1.0" encoding="utf-8"?>
 <p:presentation xmlns:a="http://schemas.openxmlformats.org/drawingml/2006/main" xmlns:r="http://schemas.openxmlformats.org/officeDocument/2006/relationships" xmlns:p="http://schemas.openxmlformats.org/presentationml/2006/main" showSpecialPlsOnTitleSld="0">
   <p:sldMasterIdLst>
-    <p:sldMasterId id="2147483648" r:id="rId4"/>
+    <p:sldMasterId id="2147483648" r:id="rId1"/>
   </p:sldMasterIdLst>
   <p:notesMasterIdLst>
-    <p:notesMasterId r:id="rId15"/>
+    <p:notesMasterId r:id="rId12"/>
   </p:notesMasterIdLst>
   <p:handoutMasterIdLst>
-    <p:handoutMasterId r:id="rId16"/>
+    <p:handoutMasterId r:id="rId13"/>
   </p:handoutMasterIdLst>
   <p:sldIdLst>
-    <p:sldId id="350" r:id="rId5"/>
-    <p:sldId id="361" r:id="rId6"/>
-    <p:sldId id="364" r:id="rId7"/>
-    <p:sldId id="365" r:id="rId8"/>
-    <p:sldId id="366" r:id="rId9"/>
-    <p:sldId id="367" r:id="rId10"/>
-    <p:sldId id="368" r:id="rId11"/>
-    <p:sldId id="369" r:id="rId12"/>
-    <p:sldId id="370" r:id="rId13"/>
-    <p:sldId id="371" r:id="rId14"/>
+    <p:sldId id="350" r:id="rId2"/>
+    <p:sldId id="361" r:id="rId3"/>
+    <p:sldId id="364" r:id="rId4"/>
+    <p:sldId id="365" r:id="rId5"/>
+    <p:sldId id="366" r:id="rId6"/>
+    <p:sldId id="367" r:id="rId7"/>
+    <p:sldId id="368" r:id="rId8"/>
+    <p:sldId id="369" r:id="rId9"/>
+    <p:sldId id="370" r:id="rId10"/>
+    <p:sldId id="371" r:id="rId11"/>
   </p:sldIdLst>
   <p:sldSz cx="12192000" cy="6858000"/>
   <p:notesSz cx="6858000" cy="9144000"/>
@@ -134,58 +134,6 @@
 <p:cmAuthorLst xmlns:a="http://schemas.openxmlformats.org/drawingml/2006/main" xmlns:r="http://schemas.openxmlformats.org/officeDocument/2006/relationships" xmlns:p="http://schemas.openxmlformats.org/presentationml/2006/main">
   <p:cmAuthor id="2" name="Author" initials="A" lastIdx="0" clrIdx="1"/>
 </p:cmAuthorLst>
-</file>
-
-<file path=ppt/revisionInfo.xml><?xml version="1.0" encoding="utf-8"?>
-<p1510:revInfo xmlns:a="http://schemas.openxmlformats.org/drawingml/2006/main" xmlns:r="http://schemas.openxmlformats.org/officeDocument/2006/relationships" xmlns:p1510="http://schemas.microsoft.com/office/powerpoint/2015/10/main">
-  <p1510:revLst>
-    <p1510:client id="{18AC9C78-638E-4A04-89ED-16E954C9E0DA}" v="3" dt="2022-04-11T23:10:00.420"/>
-  </p1510:revLst>
-</p1510:revInfo>
-</file>
-
-<file path=ppt/changesInfos/changesInfo1.xml><?xml version="1.0" encoding="utf-8"?>
-<pc:chgInfo xmlns:a="http://schemas.openxmlformats.org/drawingml/2006/main" xmlns:r="http://schemas.openxmlformats.org/officeDocument/2006/relationships" xmlns:ac="http://schemas.microsoft.com/office/drawing/2013/main/command" xmlns:pc="http://schemas.microsoft.com/office/powerpoint/2013/main/command">
-  <pc:docChgLst>
-    <pc:chgData name="Shrutika Raut" userId="S::shrutika.raut@dcmail.ca::37a41340-260f-42f0-bce3-72c5b139389e" providerId="AD" clId="Web-{18AC9C78-638E-4A04-89ED-16E954C9E0DA}"/>
-    <pc:docChg chg="modSld">
-      <pc:chgData name="Shrutika Raut" userId="S::shrutika.raut@dcmail.ca::37a41340-260f-42f0-bce3-72c5b139389e" providerId="AD" clId="Web-{18AC9C78-638E-4A04-89ED-16E954C9E0DA}" dt="2022-04-11T23:10:00.420" v="2" actId="20577"/>
-      <pc:docMkLst>
-        <pc:docMk/>
-      </pc:docMkLst>
-      <pc:sldChg chg="modSp">
-        <pc:chgData name="Shrutika Raut" userId="S::shrutika.raut@dcmail.ca::37a41340-260f-42f0-bce3-72c5b139389e" providerId="AD" clId="Web-{18AC9C78-638E-4A04-89ED-16E954C9E0DA}" dt="2022-04-11T23:10:00.420" v="2" actId="20577"/>
-        <pc:sldMkLst>
-          <pc:docMk/>
-          <pc:sldMk cId="3878399583" sldId="368"/>
-        </pc:sldMkLst>
-        <pc:spChg chg="mod">
-          <ac:chgData name="Shrutika Raut" userId="S::shrutika.raut@dcmail.ca::37a41340-260f-42f0-bce3-72c5b139389e" providerId="AD" clId="Web-{18AC9C78-638E-4A04-89ED-16E954C9E0DA}" dt="2022-04-11T23:10:00.420" v="2" actId="20577"/>
-          <ac:spMkLst>
-            <pc:docMk/>
-            <pc:sldMk cId="3878399583" sldId="368"/>
-            <ac:spMk id="4" creationId="{9F51EA82-4D50-4DF8-AADC-4D13386C146C}"/>
-          </ac:spMkLst>
-        </pc:spChg>
-      </pc:sldChg>
-      <pc:sldChg chg="modSp">
-        <pc:chgData name="Shrutika Raut" userId="S::shrutika.raut@dcmail.ca::37a41340-260f-42f0-bce3-72c5b139389e" providerId="AD" clId="Web-{18AC9C78-638E-4A04-89ED-16E954C9E0DA}" dt="2022-04-11T23:09:00.623" v="0" actId="20577"/>
-        <pc:sldMkLst>
-          <pc:docMk/>
-          <pc:sldMk cId="1090897291" sldId="369"/>
-        </pc:sldMkLst>
-        <pc:spChg chg="mod">
-          <ac:chgData name="Shrutika Raut" userId="S::shrutika.raut@dcmail.ca::37a41340-260f-42f0-bce3-72c5b139389e" providerId="AD" clId="Web-{18AC9C78-638E-4A04-89ED-16E954C9E0DA}" dt="2022-04-11T23:09:00.623" v="0" actId="20577"/>
-          <ac:spMkLst>
-            <pc:docMk/>
-            <pc:sldMk cId="1090897291" sldId="369"/>
-            <ac:spMk id="4" creationId="{9F51EA82-4D50-4DF8-AADC-4D13386C146C}"/>
-          </ac:spMkLst>
-        </pc:spChg>
-      </pc:sldChg>
-    </pc:docChg>
-  </pc:docChgLst>
-</pc:chgInfo>
 </file>
 
 <file path=ppt/handoutMasters/handoutMaster1.xml><?xml version="1.0" encoding="utf-8"?>
@@ -12427,9 +12375,7 @@
           </a:xfrm>
         </p:spPr>
         <p:txBody>
-          <a:bodyPr vert="horz" lIns="0" tIns="0" rIns="0" bIns="0" rtlCol="0" anchor="t">
-            <a:noAutofit/>
-          </a:bodyPr>
+          <a:bodyPr/>
           <a:lstStyle/>
           <a:p>
             <a:pPr algn="l" rtl="0" fontAlgn="base"/>
@@ -12439,9 +12385,8 @@
                   <a:srgbClr val="000000"/>
                 </a:solidFill>
                 <a:effectLst/>
-                <a:latin typeface="Calibri"/>
-                <a:ea typeface="Calibri"/>
-                <a:cs typeface="Calibri"/>
+                <a:latin typeface="Calibri" panose="020F0502020204030204" pitchFamily="34" charset="0"/>
+                <a:cs typeface="Calibri" panose="020F0502020204030204" pitchFamily="34" charset="0"/>
               </a:rPr>
               <a:t>To diagnose the diseases, it is necessary to get its values of the signs and symptoms, collected from experts. These values considered as the input values of the expert system. Basically, these signs and symptoms considered as the antecedent attributes of a rule. Each input value needs to be distributed over the referential values of an antecedent attribute to demonstrate what amount of this input value match with each of the referential value. The referential values of each antecedent attribute may by “Severe”, “Mild” and “No”, which are similar to the signs and symptoms of the diseases as express by the experts in terms of these linguistic terms.  </a:t>
             </a:r>
@@ -12454,15 +12399,46 @@
                   <a:srgbClr val="000000"/>
                 </a:solidFill>
                 <a:effectLst/>
-                <a:latin typeface="Calibri"/>
-                <a:ea typeface="Calibri"/>
-                <a:cs typeface="Calibri"/>
+                <a:latin typeface="Calibri" panose="020F0502020204030204" pitchFamily="34" charset="0"/>
+                <a:cs typeface="Calibri" panose="020F0502020204030204" pitchFamily="34" charset="0"/>
               </a:rPr>
-              <a:t>This factual knowledge is used to derive logical conclusions. Here the system uses forward chaining to search from the rules until the rule is found where the if-clause is known to be true. When such a rule is found, the process may conclude or forward to the then-clause for further inference. The process is iterated until a goal is reached.  </a:t>
+              <a:t>This factual knowledge is used to </a:t>
+            </a:r>
+            <a:r>
+              <a:rPr lang="en-US" sz="1800" b="0" i="0" dirty="0" err="1">
+                <a:solidFill>
+                  <a:srgbClr val="000000"/>
+                </a:solidFill>
+                <a:effectLst/>
+                <a:latin typeface="Calibri" panose="020F0502020204030204" pitchFamily="34" charset="0"/>
+                <a:cs typeface="Calibri" panose="020F0502020204030204" pitchFamily="34" charset="0"/>
+              </a:rPr>
+              <a:t>to</a:t>
+            </a:r>
+            <a:r>
+              <a:rPr lang="en-US" sz="1800" b="0" i="0" dirty="0">
+                <a:solidFill>
+                  <a:srgbClr val="000000"/>
+                </a:solidFill>
+                <a:effectLst/>
+                <a:latin typeface="Calibri" panose="020F0502020204030204" pitchFamily="34" charset="0"/>
+                <a:cs typeface="Calibri" panose="020F0502020204030204" pitchFamily="34" charset="0"/>
+              </a:rPr>
+              <a:t> derive logical conclusions. Here the system uses forward chaining to search from the rules until the rule is found where the if-clause is known to be true. When such a rule is found, the process may conclude or forward to the then-clause for further inference. The process is iterated until a goal is reached.  </a:t>
             </a:r>
           </a:p>
           <a:p>
             <a:pPr algn="l" rtl="0" fontAlgn="base"/>
+            <a:r>
+              <a:rPr lang="en-US" sz="1800" b="0" i="0" dirty="0">
+                <a:solidFill>
+                  <a:srgbClr val="000000"/>
+                </a:solidFill>
+                <a:effectLst/>
+                <a:latin typeface="Calibri Light" panose="020F0302020204030204" pitchFamily="34" charset="0"/>
+              </a:rPr>
+              <a:t> </a:t>
+            </a:r>
             <a:endParaRPr lang="en-US" sz="2000" b="0" i="0" dirty="0">
               <a:solidFill>
                 <a:srgbClr val="000000"/>
@@ -12567,9 +12543,7 @@
           </a:xfrm>
         </p:spPr>
         <p:txBody>
-          <a:bodyPr vert="horz" lIns="0" tIns="0" rIns="0" bIns="0" rtlCol="0" anchor="t">
-            <a:noAutofit/>
-          </a:bodyPr>
+          <a:bodyPr/>
           <a:lstStyle/>
           <a:p>
             <a:pPr algn="l" rtl="0" fontAlgn="base"/>
@@ -12650,47 +12624,32 @@
                   <a:srgbClr val="000000"/>
                 </a:solidFill>
                 <a:effectLst/>
-                <a:latin typeface="Calibri"/>
-                <a:ea typeface="Calibri"/>
-                <a:cs typeface="Calibri"/>
+                <a:latin typeface="Calibri" panose="020F0502020204030204" pitchFamily="34" charset="0"/>
+                <a:cs typeface="Calibri" panose="020F0502020204030204" pitchFamily="34" charset="0"/>
               </a:rPr>
-              <a:t> R1: </a:t>
-            </a:r>
-            <a:r>
-              <a:rPr lang="en-US" sz="1800" b="0" i="1" dirty="0">
+              <a:t> R1: IF Chest Pain is Severe AND Cough is Severe AND Restlessness is Mild AND … </a:t>
+            </a:r>
+          </a:p>
+          <a:p>
+            <a:pPr algn="l" rtl="0" fontAlgn="base"/>
+            <a:r>
+              <a:rPr lang="en-US" sz="1800" dirty="0">
+                <a:solidFill>
+                  <a:srgbClr val="000000"/>
+                </a:solidFill>
+                <a:latin typeface="Calibri" panose="020F0502020204030204" pitchFamily="34" charset="0"/>
+                <a:cs typeface="Calibri" panose="020F0502020204030204" pitchFamily="34" charset="0"/>
+              </a:rPr>
+              <a:t>        </a:t>
+            </a:r>
+            <a:r>
+              <a:rPr lang="en-US" sz="1800" b="0" dirty="0">
                 <a:solidFill>
                   <a:srgbClr val="000000"/>
                 </a:solidFill>
                 <a:effectLst/>
-                <a:latin typeface="Calibri"/>
-                <a:ea typeface="Calibri"/>
-                <a:cs typeface="Calibri"/>
-              </a:rPr>
-              <a:t>IF Chest Pain is Severe AND Cough is Severe AND Restlessness is Mild AND … </a:t>
-            </a:r>
-          </a:p>
-          <a:p>
-            <a:pPr fontAlgn="base"/>
-            <a:r>
-              <a:rPr lang="en-US" sz="1800" i="1" dirty="0">
-                <a:solidFill>
-                  <a:srgbClr val="000000"/>
-                </a:solidFill>
-                <a:latin typeface="Calibri"/>
-                <a:ea typeface="Calibri"/>
-                <a:cs typeface="Calibri"/>
-              </a:rPr>
-              <a:t>        </a:t>
-            </a:r>
-            <a:r>
-              <a:rPr lang="en-US" sz="1800" b="0" i="1" dirty="0">
-                <a:solidFill>
-                  <a:srgbClr val="000000"/>
-                </a:solidFill>
-                <a:effectLst/>
-                <a:latin typeface="Calibri"/>
-                <a:ea typeface="Calibri"/>
-                <a:cs typeface="Calibri"/>
+                <a:latin typeface="Calibri" panose="020F0502020204030204" pitchFamily="34" charset="0"/>
+                <a:cs typeface="Calibri" panose="020F0502020204030204" pitchFamily="34" charset="0"/>
               </a:rPr>
               <a:t>THEN { Disease identified is Asthma } </a:t>
             </a:r>
@@ -13631,226 +13590,4 @@
     </a:ext>
   </a:extLst>
 </a:theme>
-</file>
-
-<file path=customXml/item1.xml><?xml version="1.0" encoding="utf-8"?>
-<p:properties xmlns:p="http://schemas.microsoft.com/office/2006/metadata/properties" xmlns:xsi="http://www.w3.org/2001/XMLSchema-instance" xmlns:pc="http://schemas.microsoft.com/office/infopath/2007/PartnerControls">
-  <documentManagement/>
-</p:properties>
-</file>
-
-<file path=customXml/item2.xml><?xml version="1.0" encoding="utf-8"?>
-<?mso-contentType ?>
-<FormTemplates xmlns="http://schemas.microsoft.com/sharepoint/v3/contenttype/forms">
-  <Display>DocumentLibraryForm</Display>
-  <Edit>DocumentLibraryForm</Edit>
-  <New>DocumentLibraryForm</New>
-</FormTemplates>
-</file>
-
-<file path=customXml/item3.xml><?xml version="1.0" encoding="utf-8"?>
-<ct:contentTypeSchema xmlns:ct="http://schemas.microsoft.com/office/2006/metadata/contentType" xmlns:ma="http://schemas.microsoft.com/office/2006/metadata/properties/metaAttributes" ct:_="" ma:_="" ma:contentTypeName="Document" ma:contentTypeID="0x010100E0D36D8C0A5043428C2DDE91E468A8B2" ma:contentTypeVersion="8" ma:contentTypeDescription="Create a new document." ma:contentTypeScope="" ma:versionID="efcfa5f582c6d5a95e8d927f3383a0d6">
-  <xsd:schema xmlns:xsd="http://www.w3.org/2001/XMLSchema" xmlns:xs="http://www.w3.org/2001/XMLSchema" xmlns:p="http://schemas.microsoft.com/office/2006/metadata/properties" xmlns:ns2="b4d7c522-5109-4367-a306-f9dd1e06673b" targetNamespace="http://schemas.microsoft.com/office/2006/metadata/properties" ma:root="true" ma:fieldsID="cf644c5791a229f835a9162be5afe9df" ns2:_="">
-    <xsd:import namespace="b4d7c522-5109-4367-a306-f9dd1e06673b"/>
-    <xsd:element name="properties">
-      <xsd:complexType>
-        <xsd:sequence>
-          <xsd:element name="documentManagement">
-            <xsd:complexType>
-              <xsd:all>
-                <xsd:element ref="ns2:MediaServiceMetadata" minOccurs="0"/>
-                <xsd:element ref="ns2:MediaServiceFastMetadata" minOccurs="0"/>
-                <xsd:element ref="ns2:MediaServiceAutoTags" minOccurs="0"/>
-                <xsd:element ref="ns2:MediaServiceOCR" minOccurs="0"/>
-                <xsd:element ref="ns2:MediaServiceGenerationTime" minOccurs="0"/>
-                <xsd:element ref="ns2:MediaServiceEventHashCode" minOccurs="0"/>
-                <xsd:element ref="ns2:MediaServiceAutoKeyPoints" minOccurs="0"/>
-                <xsd:element ref="ns2:MediaServiceKeyPoints" minOccurs="0"/>
-              </xsd:all>
-            </xsd:complexType>
-          </xsd:element>
-        </xsd:sequence>
-      </xsd:complexType>
-    </xsd:element>
-  </xsd:schema>
-  <xsd:schema xmlns:xsd="http://www.w3.org/2001/XMLSchema" xmlns:xs="http://www.w3.org/2001/XMLSchema" xmlns:dms="http://schemas.microsoft.com/office/2006/documentManagement/types" xmlns:pc="http://schemas.microsoft.com/office/infopath/2007/PartnerControls" targetNamespace="b4d7c522-5109-4367-a306-f9dd1e06673b" elementFormDefault="qualified">
-    <xsd:import namespace="http://schemas.microsoft.com/office/2006/documentManagement/types"/>
-    <xsd:import namespace="http://schemas.microsoft.com/office/infopath/2007/PartnerControls"/>
-    <xsd:element name="MediaServiceMetadata" ma:index="8" nillable="true" ma:displayName="MediaServiceMetadata" ma:hidden="true" ma:internalName="MediaServiceMetadata" ma:readOnly="true">
-      <xsd:simpleType>
-        <xsd:restriction base="dms:Note"/>
-      </xsd:simpleType>
-    </xsd:element>
-    <xsd:element name="MediaServiceFastMetadata" ma:index="9" nillable="true" ma:displayName="MediaServiceFastMetadata" ma:hidden="true" ma:internalName="MediaServiceFastMetadata" ma:readOnly="true">
-      <xsd:simpleType>
-        <xsd:restriction base="dms:Note"/>
-      </xsd:simpleType>
-    </xsd:element>
-    <xsd:element name="MediaServiceAutoTags" ma:index="10" nillable="true" ma:displayName="Tags" ma:internalName="MediaServiceAutoTags" ma:readOnly="true">
-      <xsd:simpleType>
-        <xsd:restriction base="dms:Text"/>
-      </xsd:simpleType>
-    </xsd:element>
-    <xsd:element name="MediaServiceOCR" ma:index="11" nillable="true" ma:displayName="Extracted Text" ma:internalName="MediaServiceOCR" ma:readOnly="true">
-      <xsd:simpleType>
-        <xsd:restriction base="dms:Note">
-          <xsd:maxLength value="255"/>
-        </xsd:restriction>
-      </xsd:simpleType>
-    </xsd:element>
-    <xsd:element name="MediaServiceGenerationTime" ma:index="12" nillable="true" ma:displayName="MediaServiceGenerationTime" ma:hidden="true" ma:internalName="MediaServiceGenerationTime" ma:readOnly="true">
-      <xsd:simpleType>
-        <xsd:restriction base="dms:Text"/>
-      </xsd:simpleType>
-    </xsd:element>
-    <xsd:element name="MediaServiceEventHashCode" ma:index="13" nillable="true" ma:displayName="MediaServiceEventHashCode" ma:hidden="true" ma:internalName="MediaServiceEventHashCode" ma:readOnly="true">
-      <xsd:simpleType>
-        <xsd:restriction base="dms:Text"/>
-      </xsd:simpleType>
-    </xsd:element>
-    <xsd:element name="MediaServiceAutoKeyPoints" ma:index="14" nillable="true" ma:displayName="MediaServiceAutoKeyPoints" ma:hidden="true" ma:internalName="MediaServiceAutoKeyPoints" ma:readOnly="true">
-      <xsd:simpleType>
-        <xsd:restriction base="dms:Note"/>
-      </xsd:simpleType>
-    </xsd:element>
-    <xsd:element name="MediaServiceKeyPoints" ma:index="15" nillable="true" ma:displayName="KeyPoints" ma:internalName="MediaServiceKeyPoints" ma:readOnly="true">
-      <xsd:simpleType>
-        <xsd:restriction base="dms:Note">
-          <xsd:maxLength value="255"/>
-        </xsd:restriction>
-      </xsd:simpleType>
-    </xsd:element>
-  </xsd:schema>
-  <xsd:schema xmlns="http://schemas.openxmlformats.org/package/2006/metadata/core-properties" xmlns:xsd="http://www.w3.org/2001/XMLSchema" xmlns:xsi="http://www.w3.org/2001/XMLSchema-instance" xmlns:dc="http://purl.org/dc/elements/1.1/" xmlns:dcterms="http://purl.org/dc/terms/" xmlns:odoc="http://schemas.microsoft.com/internal/obd" targetNamespace="http://schemas.openxmlformats.org/package/2006/metadata/core-properties" elementFormDefault="qualified" attributeFormDefault="unqualified" blockDefault="#all">
-    <xsd:import namespace="http://purl.org/dc/elements/1.1/" schemaLocation="http://dublincore.org/schemas/xmls/qdc/2003/04/02/dc.xsd"/>
-    <xsd:import namespace="http://purl.org/dc/terms/" schemaLocation="http://dublincore.org/schemas/xmls/qdc/2003/04/02/dcterms.xsd"/>
-    <xsd:element name="coreProperties" type="CT_coreProperties"/>
-    <xsd:complexType name="CT_coreProperties">
-      <xsd:all>
-        <xsd:element ref="dc:creator" minOccurs="0" maxOccurs="1"/>
-        <xsd:element ref="dcterms:created" minOccurs="0" maxOccurs="1"/>
-        <xsd:element ref="dc:identifier" minOccurs="0" maxOccurs="1"/>
-        <xsd:element name="contentType" minOccurs="0" maxOccurs="1" type="xsd:string" ma:index="0" ma:displayName="Content Type"/>
-        <xsd:element ref="dc:title" minOccurs="0" maxOccurs="1" ma:index="4" ma:displayName="Title"/>
-        <xsd:element ref="dc:subject" minOccurs="0" maxOccurs="1"/>
-        <xsd:element ref="dc:description" minOccurs="0" maxOccurs="1"/>
-        <xsd:element name="keywords" minOccurs="0" maxOccurs="1" type="xsd:string"/>
-        <xsd:element ref="dc:language" minOccurs="0" maxOccurs="1"/>
-        <xsd:element name="category" minOccurs="0" maxOccurs="1" type="xsd:string"/>
-        <xsd:element name="version" minOccurs="0" maxOccurs="1" type="xsd:string"/>
-        <xsd:element name="revision" minOccurs="0" maxOccurs="1" type="xsd:string">
-          <xsd:annotation>
-            <xsd:documentation>
-                        This value indicates the number of saves or revisions. The application is responsible for updating this value after each revision.
-                    </xsd:documentation>
-          </xsd:annotation>
-        </xsd:element>
-        <xsd:element name="lastModifiedBy" minOccurs="0" maxOccurs="1" type="xsd:string"/>
-        <xsd:element ref="dcterms:modified" minOccurs="0" maxOccurs="1"/>
-        <xsd:element name="contentStatus" minOccurs="0" maxOccurs="1" type="xsd:string"/>
-      </xsd:all>
-    </xsd:complexType>
-  </xsd:schema>
-  <xs:schema xmlns:pc="http://schemas.microsoft.com/office/infopath/2007/PartnerControls" xmlns:xs="http://www.w3.org/2001/XMLSchema" targetNamespace="http://schemas.microsoft.com/office/infopath/2007/PartnerControls" elementFormDefault="qualified" attributeFormDefault="unqualified">
-    <xs:element name="Person">
-      <xs:complexType>
-        <xs:sequence>
-          <xs:element ref="pc:DisplayName" minOccurs="0"/>
-          <xs:element ref="pc:AccountId" minOccurs="0"/>
-          <xs:element ref="pc:AccountType" minOccurs="0"/>
-        </xs:sequence>
-      </xs:complexType>
-    </xs:element>
-    <xs:element name="DisplayName" type="xs:string"/>
-    <xs:element name="AccountId" type="xs:string"/>
-    <xs:element name="AccountType" type="xs:string"/>
-    <xs:element name="BDCAssociatedEntity">
-      <xs:complexType>
-        <xs:sequence>
-          <xs:element ref="pc:BDCEntity" minOccurs="0" maxOccurs="unbounded"/>
-        </xs:sequence>
-        <xs:attribute ref="pc:EntityNamespace"/>
-        <xs:attribute ref="pc:EntityName"/>
-        <xs:attribute ref="pc:SystemInstanceName"/>
-        <xs:attribute ref="pc:AssociationName"/>
-      </xs:complexType>
-    </xs:element>
-    <xs:attribute name="EntityNamespace" type="xs:string"/>
-    <xs:attribute name="EntityName" type="xs:string"/>
-    <xs:attribute name="SystemInstanceName" type="xs:string"/>
-    <xs:attribute name="AssociationName" type="xs:string"/>
-    <xs:element name="BDCEntity">
-      <xs:complexType>
-        <xs:sequence>
-          <xs:element ref="pc:EntityDisplayName" minOccurs="0"/>
-          <xs:element ref="pc:EntityInstanceReference" minOccurs="0"/>
-          <xs:element ref="pc:EntityId1" minOccurs="0"/>
-          <xs:element ref="pc:EntityId2" minOccurs="0"/>
-          <xs:element ref="pc:EntityId3" minOccurs="0"/>
-          <xs:element ref="pc:EntityId4" minOccurs="0"/>
-          <xs:element ref="pc:EntityId5" minOccurs="0"/>
-        </xs:sequence>
-      </xs:complexType>
-    </xs:element>
-    <xs:element name="EntityDisplayName" type="xs:string"/>
-    <xs:element name="EntityInstanceReference" type="xs:string"/>
-    <xs:element name="EntityId1" type="xs:string"/>
-    <xs:element name="EntityId2" type="xs:string"/>
-    <xs:element name="EntityId3" type="xs:string"/>
-    <xs:element name="EntityId4" type="xs:string"/>
-    <xs:element name="EntityId5" type="xs:string"/>
-    <xs:element name="Terms">
-      <xs:complexType>
-        <xs:sequence>
-          <xs:element ref="pc:TermInfo" minOccurs="0" maxOccurs="unbounded"/>
-        </xs:sequence>
-      </xs:complexType>
-    </xs:element>
-    <xs:element name="TermInfo">
-      <xs:complexType>
-        <xs:sequence>
-          <xs:element ref="pc:TermName" minOccurs="0"/>
-          <xs:element ref="pc:TermId" minOccurs="0"/>
-        </xs:sequence>
-      </xs:complexType>
-    </xs:element>
-    <xs:element name="TermName" type="xs:string"/>
-    <xs:element name="TermId" type="xs:string"/>
-  </xs:schema>
-</ct:contentTypeSchema>
-</file>
-
-<file path=customXml/itemProps1.xml><?xml version="1.0" encoding="utf-8"?>
-<ds:datastoreItem xmlns:ds="http://schemas.openxmlformats.org/officeDocument/2006/customXml" ds:itemID="{F72251A8-FFEC-4BB1-9324-F3EDDFEE0EEE}">
-  <ds:schemaRefs>
-    <ds:schemaRef ds:uri="http://schemas.microsoft.com/office/2006/metadata/properties"/>
-    <ds:schemaRef ds:uri="http://schemas.microsoft.com/office/infopath/2007/PartnerControls"/>
-  </ds:schemaRefs>
-</ds:datastoreItem>
-</file>
-
-<file path=customXml/itemProps2.xml><?xml version="1.0" encoding="utf-8"?>
-<ds:datastoreItem xmlns:ds="http://schemas.openxmlformats.org/officeDocument/2006/customXml" ds:itemID="{415B8416-9D2F-4BE1-A8C9-179E76FCA41E}">
-  <ds:schemaRefs>
-    <ds:schemaRef ds:uri="http://schemas.microsoft.com/sharepoint/v3/contenttype/forms"/>
-  </ds:schemaRefs>
-</ds:datastoreItem>
-</file>
-
-<file path=customXml/itemProps3.xml><?xml version="1.0" encoding="utf-8"?>
-<ds:datastoreItem xmlns:ds="http://schemas.openxmlformats.org/officeDocument/2006/customXml" ds:itemID="{77C1BFF2-7AEF-479D-AC30-BBA8CA897B4D}">
-  <ds:schemaRefs>
-    <ds:schemaRef ds:uri="http://schemas.microsoft.com/office/2006/metadata/contentType"/>
-    <ds:schemaRef ds:uri="http://schemas.microsoft.com/office/2006/metadata/properties/metaAttributes"/>
-    <ds:schemaRef ds:uri="http://www.w3.org/2001/XMLSchema"/>
-    <ds:schemaRef ds:uri="http://schemas.microsoft.com/office/2006/metadata/properties"/>
-    <ds:schemaRef ds:uri="b4d7c522-5109-4367-a306-f9dd1e06673b"/>
-    <ds:schemaRef ds:uri="http://schemas.microsoft.com/office/2006/documentManagement/types"/>
-    <ds:schemaRef ds:uri="http://schemas.microsoft.com/office/infopath/2007/PartnerControls"/>
-    <ds:schemaRef ds:uri="http://schemas.openxmlformats.org/package/2006/metadata/core-properties"/>
-    <ds:schemaRef ds:uri="http://purl.org/dc/elements/1.1/"/>
-    <ds:schemaRef ds:uri="http://purl.org/dc/terms/"/>
-    <ds:schemaRef ds:uri="http://schemas.microsoft.com/internal/obd"/>
-  </ds:schemaRefs>
-</ds:datastoreItem>
 </file>
--- a/Project Documents/Disease Prognosis Expert System.pptx
+++ b/Project Documents/Disease Prognosis Expert System.pptx
@@ -2,25 +2,25 @@
 <file path=ppt/presentation.xml><?xml version="1.0" encoding="utf-8"?>
 <p:presentation xmlns:a="http://schemas.openxmlformats.org/drawingml/2006/main" xmlns:r="http://schemas.openxmlformats.org/officeDocument/2006/relationships" xmlns:p="http://schemas.openxmlformats.org/presentationml/2006/main" showSpecialPlsOnTitleSld="0">
   <p:sldMasterIdLst>
-    <p:sldMasterId id="2147483648" r:id="rId1"/>
+    <p:sldMasterId id="2147483648" r:id="rId4"/>
   </p:sldMasterIdLst>
   <p:notesMasterIdLst>
-    <p:notesMasterId r:id="rId12"/>
+    <p:notesMasterId r:id="rId15"/>
   </p:notesMasterIdLst>
   <p:handoutMasterIdLst>
-    <p:handoutMasterId r:id="rId13"/>
+    <p:handoutMasterId r:id="rId16"/>
   </p:handoutMasterIdLst>
   <p:sldIdLst>
-    <p:sldId id="350" r:id="rId2"/>
-    <p:sldId id="361" r:id="rId3"/>
-    <p:sldId id="364" r:id="rId4"/>
-    <p:sldId id="365" r:id="rId5"/>
-    <p:sldId id="366" r:id="rId6"/>
-    <p:sldId id="367" r:id="rId7"/>
-    <p:sldId id="368" r:id="rId8"/>
-    <p:sldId id="369" r:id="rId9"/>
-    <p:sldId id="370" r:id="rId10"/>
-    <p:sldId id="371" r:id="rId11"/>
+    <p:sldId id="350" r:id="rId5"/>
+    <p:sldId id="361" r:id="rId6"/>
+    <p:sldId id="364" r:id="rId7"/>
+    <p:sldId id="365" r:id="rId8"/>
+    <p:sldId id="366" r:id="rId9"/>
+    <p:sldId id="367" r:id="rId10"/>
+    <p:sldId id="368" r:id="rId11"/>
+    <p:sldId id="369" r:id="rId12"/>
+    <p:sldId id="370" r:id="rId13"/>
+    <p:sldId id="371" r:id="rId14"/>
   </p:sldIdLst>
   <p:sldSz cx="12192000" cy="6858000"/>
   <p:notesSz cx="6858000" cy="9144000"/>
@@ -136,6 +136,58 @@
 </p:cmAuthorLst>
 </file>
 
+<file path=ppt/revisionInfo.xml><?xml version="1.0" encoding="utf-8"?>
+<p1510:revInfo xmlns:a="http://schemas.openxmlformats.org/drawingml/2006/main" xmlns:r="http://schemas.openxmlformats.org/officeDocument/2006/relationships" xmlns:p1510="http://schemas.microsoft.com/office/powerpoint/2015/10/main">
+  <p1510:revLst>
+    <p1510:client id="{18AC9C78-638E-4A04-89ED-16E954C9E0DA}" v="3" dt="2022-04-11T23:10:00.420"/>
+  </p1510:revLst>
+</p1510:revInfo>
+</file>
+
+<file path=ppt/changesInfos/changesInfo1.xml><?xml version="1.0" encoding="utf-8"?>
+<pc:chgInfo xmlns:a="http://schemas.openxmlformats.org/drawingml/2006/main" xmlns:r="http://schemas.openxmlformats.org/officeDocument/2006/relationships" xmlns:ac="http://schemas.microsoft.com/office/drawing/2013/main/command" xmlns:pc="http://schemas.microsoft.com/office/powerpoint/2013/main/command">
+  <pc:docChgLst>
+    <pc:chgData name="Shrutika Raut" userId="S::shrutika.raut@dcmail.ca::37a41340-260f-42f0-bce3-72c5b139389e" providerId="AD" clId="Web-{18AC9C78-638E-4A04-89ED-16E954C9E0DA}"/>
+    <pc:docChg chg="modSld">
+      <pc:chgData name="Shrutika Raut" userId="S::shrutika.raut@dcmail.ca::37a41340-260f-42f0-bce3-72c5b139389e" providerId="AD" clId="Web-{18AC9C78-638E-4A04-89ED-16E954C9E0DA}" dt="2022-04-11T23:10:00.420" v="2" actId="20577"/>
+      <pc:docMkLst>
+        <pc:docMk/>
+      </pc:docMkLst>
+      <pc:sldChg chg="modSp">
+        <pc:chgData name="Shrutika Raut" userId="S::shrutika.raut@dcmail.ca::37a41340-260f-42f0-bce3-72c5b139389e" providerId="AD" clId="Web-{18AC9C78-638E-4A04-89ED-16E954C9E0DA}" dt="2022-04-11T23:10:00.420" v="2" actId="20577"/>
+        <pc:sldMkLst>
+          <pc:docMk/>
+          <pc:sldMk cId="3878399583" sldId="368"/>
+        </pc:sldMkLst>
+        <pc:spChg chg="mod">
+          <ac:chgData name="Shrutika Raut" userId="S::shrutika.raut@dcmail.ca::37a41340-260f-42f0-bce3-72c5b139389e" providerId="AD" clId="Web-{18AC9C78-638E-4A04-89ED-16E954C9E0DA}" dt="2022-04-11T23:10:00.420" v="2" actId="20577"/>
+          <ac:spMkLst>
+            <pc:docMk/>
+            <pc:sldMk cId="3878399583" sldId="368"/>
+            <ac:spMk id="4" creationId="{9F51EA82-4D50-4DF8-AADC-4D13386C146C}"/>
+          </ac:spMkLst>
+        </pc:spChg>
+      </pc:sldChg>
+      <pc:sldChg chg="modSp">
+        <pc:chgData name="Shrutika Raut" userId="S::shrutika.raut@dcmail.ca::37a41340-260f-42f0-bce3-72c5b139389e" providerId="AD" clId="Web-{18AC9C78-638E-4A04-89ED-16E954C9E0DA}" dt="2022-04-11T23:09:00.623" v="0" actId="20577"/>
+        <pc:sldMkLst>
+          <pc:docMk/>
+          <pc:sldMk cId="1090897291" sldId="369"/>
+        </pc:sldMkLst>
+        <pc:spChg chg="mod">
+          <ac:chgData name="Shrutika Raut" userId="S::shrutika.raut@dcmail.ca::37a41340-260f-42f0-bce3-72c5b139389e" providerId="AD" clId="Web-{18AC9C78-638E-4A04-89ED-16E954C9E0DA}" dt="2022-04-11T23:09:00.623" v="0" actId="20577"/>
+          <ac:spMkLst>
+            <pc:docMk/>
+            <pc:sldMk cId="1090897291" sldId="369"/>
+            <ac:spMk id="4" creationId="{9F51EA82-4D50-4DF8-AADC-4D13386C146C}"/>
+          </ac:spMkLst>
+        </pc:spChg>
+      </pc:sldChg>
+    </pc:docChg>
+  </pc:docChgLst>
+</pc:chgInfo>
+</file>
+
 <file path=ppt/handoutMasters/handoutMaster1.xml><?xml version="1.0" encoding="utf-8"?>
 <p:handoutMaster xmlns:a="http://schemas.openxmlformats.org/drawingml/2006/main" xmlns:r="http://schemas.openxmlformats.org/officeDocument/2006/relationships" xmlns:p="http://schemas.openxmlformats.org/presentationml/2006/main">
   <p:cSld>
@@ -348,7 +400,7 @@
           <a:p>
             <a:fld id="{6EE7A52F-9D89-7442-A8E9-48D1527B5F6B}" type="datetimeFigureOut">
               <a:rPr lang="en-US" smtClean="0"/>
-              <a:t>4/11/2022</a:t>
+              <a:t>4/12/22</a:t>
             </a:fld>
             <a:endParaRPr lang="en-US" dirty="0"/>
           </a:p>
@@ -1767,7 +1819,7 @@
           <a:p>
             <a:fld id="{6FCA8E82-58CD-E045-8B98-B7A85B79B752}" type="datetime4">
               <a:rPr lang="en-US" smtClean="0"/>
-              <a:t>April 11, 2022</a:t>
+              <a:t>April 12, 2022</a:t>
             </a:fld>
             <a:endParaRPr lang="en-US" dirty="0">
               <a:latin typeface="+mn-lt"/>
@@ -2707,7 +2759,7 @@
           <a:p>
             <a:fld id="{6FCA8E82-58CD-E045-8B98-B7A85B79B752}" type="datetime4">
               <a:rPr lang="en-US" smtClean="0"/>
-              <a:t>April 11, 2022</a:t>
+              <a:t>April 12, 2022</a:t>
             </a:fld>
             <a:endParaRPr lang="en-US" dirty="0">
               <a:latin typeface="+mn-lt"/>
@@ -3643,7 +3695,7 @@
           <a:p>
             <a:fld id="{6FCA8E82-58CD-E045-8B98-B7A85B79B752}" type="datetime4">
               <a:rPr lang="en-US" smtClean="0"/>
-              <a:t>April 11, 2022</a:t>
+              <a:t>April 12, 2022</a:t>
             </a:fld>
             <a:endParaRPr lang="en-US" dirty="0">
               <a:latin typeface="+mn-lt"/>
@@ -5609,7 +5661,7 @@
           <a:p>
             <a:fld id="{6FCA8E82-58CD-E045-8B98-B7A85B79B752}" type="datetime4">
               <a:rPr lang="en-US" smtClean="0"/>
-              <a:t>April 11, 2022</a:t>
+              <a:t>April 12, 2022</a:t>
             </a:fld>
             <a:endParaRPr lang="en-US" dirty="0">
               <a:latin typeface="+mn-lt"/>
@@ -6155,7 +6207,7 @@
           <a:p>
             <a:fld id="{6FCA8E82-58CD-E045-8B98-B7A85B79B752}" type="datetime4">
               <a:rPr lang="en-US" smtClean="0"/>
-              <a:t>April 11, 2022</a:t>
+              <a:t>April 12, 2022</a:t>
             </a:fld>
             <a:endParaRPr lang="en-US" dirty="0">
               <a:latin typeface="+mn-lt"/>
@@ -6768,7 +6820,7 @@
           <a:p>
             <a:fld id="{6FCA8E82-58CD-E045-8B98-B7A85B79B752}" type="datetime4">
               <a:rPr lang="en-US" smtClean="0"/>
-              <a:t>April 11, 2022</a:t>
+              <a:t>April 12, 2022</a:t>
             </a:fld>
             <a:endParaRPr lang="en-US" dirty="0">
               <a:latin typeface="+mn-lt"/>
@@ -6944,7 +6996,7 @@
           <a:p>
             <a:fld id="{6FCA8E82-58CD-E045-8B98-B7A85B79B752}" type="datetime4">
               <a:rPr lang="en-US" smtClean="0"/>
-              <a:t>April 11, 2022</a:t>
+              <a:t>April 12, 2022</a:t>
             </a:fld>
             <a:endParaRPr lang="en-US" dirty="0">
               <a:latin typeface="+mn-lt"/>
@@ -9453,7 +9505,7 @@
           <a:p>
             <a:fld id="{6FCA8E82-58CD-E045-8B98-B7A85B79B752}" type="datetime4">
               <a:rPr lang="en-US" smtClean="0"/>
-              <a:t>April 11, 2022</a:t>
+              <a:t>April 12, 2022</a:t>
             </a:fld>
             <a:endParaRPr lang="en-US" dirty="0">
               <a:latin typeface="+mn-lt"/>
@@ -10416,7 +10468,7 @@
           <a:p>
             <a:fld id="{6FCA8E82-58CD-E045-8B98-B7A85B79B752}" type="datetime4">
               <a:rPr lang="en-US" smtClean="0"/>
-              <a:t>April 11, 2022</a:t>
+              <a:t>April 12, 2022</a:t>
             </a:fld>
             <a:endParaRPr lang="en-US" dirty="0">
               <a:latin typeface="+mn-lt"/>
@@ -10634,7 +10686,7 @@
           <a:p>
             <a:fld id="{6FCA8E82-58CD-E045-8B98-B7A85B79B752}" type="datetime4">
               <a:rPr lang="en-US" smtClean="0"/>
-              <a:t>April 11, 2022</a:t>
+              <a:t>April 12, 2022</a:t>
             </a:fld>
             <a:endParaRPr lang="en-US" dirty="0">
               <a:latin typeface="+mn-lt"/>
@@ -12375,7 +12427,9 @@
           </a:xfrm>
         </p:spPr>
         <p:txBody>
-          <a:bodyPr/>
+          <a:bodyPr vert="horz" lIns="0" tIns="0" rIns="0" bIns="0" rtlCol="0" anchor="t">
+            <a:noAutofit/>
+          </a:bodyPr>
           <a:lstStyle/>
           <a:p>
             <a:pPr algn="l" rtl="0" fontAlgn="base"/>
@@ -12385,10 +12439,11 @@
                   <a:srgbClr val="000000"/>
                 </a:solidFill>
                 <a:effectLst/>
-                <a:latin typeface="Calibri" panose="020F0502020204030204" pitchFamily="34" charset="0"/>
-                <a:cs typeface="Calibri" panose="020F0502020204030204" pitchFamily="34" charset="0"/>
+                <a:latin typeface="Calibri"/>
+                <a:ea typeface="Calibri"/>
+                <a:cs typeface="Calibri"/>
               </a:rPr>
-              <a:t>To diagnose the diseases, it is necessary to get its values of the signs and symptoms, collected from experts. These values considered as the input values of the expert system. Basically, these signs and symptoms considered as the antecedent attributes of a rule. Each input value needs to be distributed over the referential values of an antecedent attribute to demonstrate what amount of this input value match with each of the referential value. The referential values of each antecedent attribute may by “Severe”, “Mild” and “No”, which are similar to the signs and symptoms of the diseases as express by the experts in terms of these linguistic terms.  </a:t>
+              <a:t>To diagnose the diseases, it is necessary to get the values of the signs and symptoms, collected from the experts.</a:t>
             </a:r>
           </a:p>
           <a:p>
@@ -12399,32 +12454,26 @@
                   <a:srgbClr val="000000"/>
                 </a:solidFill>
                 <a:effectLst/>
-                <a:latin typeface="Calibri" panose="020F0502020204030204" pitchFamily="34" charset="0"/>
-                <a:cs typeface="Calibri" panose="020F0502020204030204" pitchFamily="34" charset="0"/>
+                <a:latin typeface="Calibri"/>
+                <a:ea typeface="Calibri"/>
+                <a:cs typeface="Calibri"/>
               </a:rPr>
-              <a:t>This factual knowledge is used to </a:t>
-            </a:r>
-            <a:r>
-              <a:rPr lang="en-US" sz="1800" b="0" i="0" dirty="0" err="1">
-                <a:solidFill>
-                  <a:srgbClr val="000000"/>
-                </a:solidFill>
-                <a:effectLst/>
-                <a:latin typeface="Calibri" panose="020F0502020204030204" pitchFamily="34" charset="0"/>
-                <a:cs typeface="Calibri" panose="020F0502020204030204" pitchFamily="34" charset="0"/>
-              </a:rPr>
-              <a:t>to</a:t>
-            </a:r>
+              <a:t>These signs and symptoms are considered as the antecedent attributes of a rule. </a:t>
+            </a:r>
+          </a:p>
+          <a:p>
+            <a:pPr algn="l" rtl="0" fontAlgn="base"/>
             <a:r>
               <a:rPr lang="en-US" sz="1800" b="0" i="0" dirty="0">
                 <a:solidFill>
                   <a:srgbClr val="000000"/>
                 </a:solidFill>
                 <a:effectLst/>
-                <a:latin typeface="Calibri" panose="020F0502020204030204" pitchFamily="34" charset="0"/>
-                <a:cs typeface="Calibri" panose="020F0502020204030204" pitchFamily="34" charset="0"/>
+                <a:latin typeface="Calibri"/>
+                <a:ea typeface="Calibri"/>
+                <a:cs typeface="Calibri"/>
               </a:rPr>
-              <a:t> derive logical conclusions. Here the system uses forward chaining to search from the rules until the rule is found where the if-clause is known to be true. When such a rule is found, the process may conclude or forward to the then-clause for further inference. The process is iterated until a goal is reached.  </a:t>
+              <a:t>The referential values of each antecedent attribute are “Severe”, “Mild” or “No.  </a:t>
             </a:r>
           </a:p>
           <a:p>
@@ -12435,10 +12484,30 @@
                   <a:srgbClr val="000000"/>
                 </a:solidFill>
                 <a:effectLst/>
-                <a:latin typeface="Calibri Light" panose="020F0302020204030204" pitchFamily="34" charset="0"/>
+                <a:latin typeface="Calibri"/>
+                <a:ea typeface="Calibri"/>
+                <a:cs typeface="Calibri"/>
               </a:rPr>
-              <a:t> </a:t>
-            </a:r>
+              <a:t>The system uses forward chaining to search from the rules until the rule is found where the if-clause is known to be true. </a:t>
+            </a:r>
+          </a:p>
+          <a:p>
+            <a:pPr algn="l" rtl="0" fontAlgn="base"/>
+            <a:r>
+              <a:rPr lang="en-US" sz="1800" b="0" i="0" dirty="0">
+                <a:solidFill>
+                  <a:srgbClr val="000000"/>
+                </a:solidFill>
+                <a:effectLst/>
+                <a:latin typeface="Calibri"/>
+                <a:ea typeface="Calibri"/>
+                <a:cs typeface="Calibri"/>
+              </a:rPr>
+              <a:t>When such a rule is found, the process may conclude or forward to the then-clause for further inference. </a:t>
+            </a:r>
+          </a:p>
+          <a:p>
+            <a:pPr algn="l" rtl="0" fontAlgn="base"/>
             <a:endParaRPr lang="en-US" sz="2000" b="0" i="0" dirty="0">
               <a:solidFill>
                 <a:srgbClr val="000000"/>
@@ -12455,6 +12524,46 @@
           </a:p>
         </p:txBody>
       </p:sp>
+      <p:pic>
+        <p:nvPicPr>
+          <p:cNvPr id="5" name="Audio Recording Apr 12, 2022 at 1:14:02 AM" descr="Audio Recording Apr 12, 2022 at 1:14:02 AM">
+            <a:hlinkClick r:id="" action="ppaction://media"/>
+            <a:extLst>
+              <a:ext uri="{FF2B5EF4-FFF2-40B4-BE49-F238E27FC236}">
+                <a16:creationId xmlns:a16="http://schemas.microsoft.com/office/drawing/2014/main" id="{CB0B0CED-22BB-534E-B9DC-15A18EC2E3BD}"/>
+              </a:ext>
+            </a:extLst>
+          </p:cNvPr>
+          <p:cNvPicPr>
+            <a:picLocks noChangeAspect="1"/>
+          </p:cNvPicPr>
+          <p:nvPr>
+            <a:audioFile r:link="rId1"/>
+            <p:extLst>
+              <p:ext uri="{DAA4B4D4-6D71-4841-9C94-3DE7FCFB9230}">
+                <p14:media xmlns:p14="http://schemas.microsoft.com/office/powerpoint/2010/main" r:embed="rId2">
+                  <p14:trim st="3521.8179" end="1951.4892"/>
+                </p14:media>
+              </p:ext>
+            </p:extLst>
+          </p:nvPr>
+        </p:nvPicPr>
+        <p:blipFill>
+          <a:blip r:embed="rId4"/>
+          <a:stretch>
+            <a:fillRect/>
+          </a:stretch>
+        </p:blipFill>
+        <p:spPr>
+          <a:xfrm>
+            <a:off x="10792067" y="5512581"/>
+            <a:ext cx="812800" cy="812800"/>
+          </a:xfrm>
+          <a:prstGeom prst="rect">
+            <a:avLst/>
+          </a:prstGeom>
+        </p:spPr>
+      </p:pic>
     </p:spTree>
     <p:extLst>
       <p:ext uri="{BB962C8B-B14F-4D97-AF65-F5344CB8AC3E}">
@@ -12465,6 +12574,90 @@
   <p:clrMapOvr>
     <a:masterClrMapping/>
   </p:clrMapOvr>
+  <p:timing>
+    <p:tnLst>
+      <p:par>
+        <p:cTn id="1" dur="indefinite" restart="never" nodeType="tmRoot">
+          <p:childTnLst>
+            <p:seq concurrent="1" nextAc="seek">
+              <p:cTn id="2" dur="indefinite" nodeType="mainSeq">
+                <p:childTnLst>
+                  <p:par>
+                    <p:cTn id="3" fill="hold">
+                      <p:stCondLst>
+                        <p:cond delay="indefinite"/>
+                      </p:stCondLst>
+                      <p:childTnLst>
+                        <p:par>
+                          <p:cTn id="4" fill="hold">
+                            <p:stCondLst>
+                              <p:cond delay="0"/>
+                            </p:stCondLst>
+                            <p:childTnLst>
+                              <p:par>
+                                <p:cTn id="5" presetID="1" presetClass="mediacall" presetSubtype="0" fill="hold" nodeType="clickEffect">
+                                  <p:stCondLst>
+                                    <p:cond delay="0"/>
+                                  </p:stCondLst>
+                                  <p:childTnLst>
+                                    <p:cmd type="call" cmd="playFrom(0.0)">
+                                      <p:cBhvr>
+                                        <p:cTn id="6" dur="69662" fill="hold"/>
+                                        <p:tgtEl>
+                                          <p:spTgt spid="5"/>
+                                        </p:tgtEl>
+                                      </p:cBhvr>
+                                    </p:cmd>
+                                  </p:childTnLst>
+                                </p:cTn>
+                              </p:par>
+                            </p:childTnLst>
+                          </p:cTn>
+                        </p:par>
+                      </p:childTnLst>
+                    </p:cTn>
+                  </p:par>
+                </p:childTnLst>
+              </p:cTn>
+              <p:prevCondLst>
+                <p:cond evt="onPrev" delay="0">
+                  <p:tgtEl>
+                    <p:sldTgt/>
+                  </p:tgtEl>
+                </p:cond>
+              </p:prevCondLst>
+              <p:nextCondLst>
+                <p:cond evt="onNext" delay="0">
+                  <p:tgtEl>
+                    <p:sldTgt/>
+                  </p:tgtEl>
+                </p:cond>
+              </p:nextCondLst>
+            </p:seq>
+            <p:audio>
+              <p:cMediaNode vol="80000">
+                <p:cTn id="7" fill="hold" display="0">
+                  <p:stCondLst>
+                    <p:cond delay="indefinite"/>
+                  </p:stCondLst>
+                  <p:endCondLst>
+                    <p:cond evt="onStopAudio" delay="0">
+                      <p:tgtEl>
+                        <p:sldTgt/>
+                      </p:tgtEl>
+                    </p:cond>
+                  </p:endCondLst>
+                </p:cTn>
+                <p:tgtEl>
+                  <p:spTgt spid="5"/>
+                </p:tgtEl>
+              </p:cMediaNode>
+            </p:audio>
+          </p:childTnLst>
+        </p:cTn>
+      </p:par>
+    </p:tnLst>
+  </p:timing>
 </p:sld>
 </file>
 
@@ -12543,7 +12736,9 @@
           </a:xfrm>
         </p:spPr>
         <p:txBody>
-          <a:bodyPr/>
+          <a:bodyPr vert="horz" lIns="0" tIns="0" rIns="0" bIns="0" rtlCol="0" anchor="t">
+            <a:noAutofit/>
+          </a:bodyPr>
           <a:lstStyle/>
           <a:p>
             <a:pPr algn="l" rtl="0" fontAlgn="base"/>
@@ -12556,7 +12751,21 @@
                 <a:latin typeface="Calibri" panose="020F0502020204030204" pitchFamily="34" charset="0"/>
                 <a:cs typeface="Calibri" panose="020F0502020204030204" pitchFamily="34" charset="0"/>
               </a:rPr>
-              <a:t>Decision tree which has been developed using knowledge acquisition. The tree represents a multilevel hierarchical structure of the knowledge base. The leaf nodes become the antecedent attributes of a rule and the parent node becomes its consequent attribute.  </a:t>
+              <a:t>Decision tree has been developed using knowledge acquisition. </a:t>
+            </a:r>
+          </a:p>
+          <a:p>
+            <a:pPr algn="l" rtl="0" fontAlgn="base"/>
+            <a:r>
+              <a:rPr lang="en-US" sz="1800" b="0" dirty="0">
+                <a:solidFill>
+                  <a:srgbClr val="000000"/>
+                </a:solidFill>
+                <a:effectLst/>
+                <a:latin typeface="Calibri" panose="020F0502020204030204" pitchFamily="34" charset="0"/>
+                <a:cs typeface="Calibri" panose="020F0502020204030204" pitchFamily="34" charset="0"/>
+              </a:rPr>
+              <a:t>The leaf nodes become the antecedent attributes of a rule and the parent node becomes its consequent attribute.  </a:t>
             </a:r>
             <a:endParaRPr lang="en-US" sz="1800" dirty="0">
               <a:latin typeface="Calibri" panose="020F0502020204030204" pitchFamily="34" charset="0"/>
@@ -12585,11 +12794,18 @@
                 <a:latin typeface="Calibri" panose="020F0502020204030204" pitchFamily="34" charset="0"/>
                 <a:cs typeface="Calibri" panose="020F0502020204030204" pitchFamily="34" charset="0"/>
               </a:rPr>
-              <a:t>This rule base consists of 11 antecedent attributes namely A1, A2, A3… A11.</a:t>
-            </a:r>
-          </a:p>
-          <a:p>
-            <a:pPr algn="l" rtl="0" fontAlgn="base"/>
+              <a:t>The rule base shown </a:t>
+            </a:r>
+            <a:r>
+              <a:rPr lang="en-US" sz="1800" dirty="0">
+                <a:solidFill>
+                  <a:srgbClr val="000000"/>
+                </a:solidFill>
+                <a:latin typeface="Calibri" panose="020F0502020204030204" pitchFamily="34" charset="0"/>
+                <a:cs typeface="Calibri" panose="020F0502020204030204" pitchFamily="34" charset="0"/>
+              </a:rPr>
+              <a:t>in the figure </a:t>
+            </a:r>
             <a:r>
               <a:rPr lang="en-US" sz="1800" b="0" dirty="0">
                 <a:solidFill>
@@ -12599,7 +12815,7 @@
                 <a:latin typeface="Calibri" panose="020F0502020204030204" pitchFamily="34" charset="0"/>
                 <a:cs typeface="Calibri" panose="020F0502020204030204" pitchFamily="34" charset="0"/>
               </a:rPr>
-              <a:t>Each attribute has three referential values, namely severe (S), mild (M) and </a:t>
+              <a:t>consists of 11 antecedent attributes namely, </a:t>
             </a:r>
           </a:p>
           <a:p>
@@ -12613,7 +12829,7 @@
                 <a:latin typeface="Calibri" panose="020F0502020204030204" pitchFamily="34" charset="0"/>
                 <a:cs typeface="Calibri" panose="020F0502020204030204" pitchFamily="34" charset="0"/>
               </a:rPr>
-              <a:t>no symptoms (N). So, the belief rule is written as, </a:t>
+              <a:t>A1, A2, A3… A11.</a:t>
             </a:r>
           </a:p>
           <a:p>
@@ -12627,21 +12843,11 @@
                 <a:latin typeface="Calibri" panose="020F0502020204030204" pitchFamily="34" charset="0"/>
                 <a:cs typeface="Calibri" panose="020F0502020204030204" pitchFamily="34" charset="0"/>
               </a:rPr>
-              <a:t> R1: IF Chest Pain is Severe AND Cough is Severe AND Restlessness is Mild AND … </a:t>
+              <a:t>Each attribute has three referential values, namely severe (S), mild (M) and no symptoms (N). </a:t>
             </a:r>
           </a:p>
           <a:p>
             <a:pPr algn="l" rtl="0" fontAlgn="base"/>
-            <a:r>
-              <a:rPr lang="en-US" sz="1800" dirty="0">
-                <a:solidFill>
-                  <a:srgbClr val="000000"/>
-                </a:solidFill>
-                <a:latin typeface="Calibri" panose="020F0502020204030204" pitchFamily="34" charset="0"/>
-                <a:cs typeface="Calibri" panose="020F0502020204030204" pitchFamily="34" charset="0"/>
-              </a:rPr>
-              <a:t>        </a:t>
-            </a:r>
             <a:r>
               <a:rPr lang="en-US" sz="1800" b="0" dirty="0">
                 <a:solidFill>
@@ -12650,6 +12856,59 @@
                 <a:effectLst/>
                 <a:latin typeface="Calibri" panose="020F0502020204030204" pitchFamily="34" charset="0"/>
                 <a:cs typeface="Calibri" panose="020F0502020204030204" pitchFamily="34" charset="0"/>
+              </a:rPr>
+              <a:t>So, the belief rule is written as, </a:t>
+            </a:r>
+          </a:p>
+          <a:p>
+            <a:pPr algn="l" rtl="0" fontAlgn="base"/>
+            <a:r>
+              <a:rPr lang="en-US" sz="1800" b="0" dirty="0">
+                <a:solidFill>
+                  <a:srgbClr val="000000"/>
+                </a:solidFill>
+                <a:effectLst/>
+                <a:latin typeface="Calibri"/>
+                <a:ea typeface="Calibri"/>
+                <a:cs typeface="Calibri"/>
+              </a:rPr>
+              <a:t> 	R1: </a:t>
+            </a:r>
+            <a:r>
+              <a:rPr lang="en-US" sz="1800" b="0" i="1" dirty="0">
+                <a:solidFill>
+                  <a:srgbClr val="000000"/>
+                </a:solidFill>
+                <a:effectLst/>
+                <a:latin typeface="Calibri"/>
+                <a:ea typeface="Calibri"/>
+                <a:cs typeface="Calibri"/>
+              </a:rPr>
+              <a:t>IF Chest Pain is Severe AND Cough is Severe AND Restlessness is Mild AND … </a:t>
+            </a:r>
+          </a:p>
+          <a:p>
+            <a:pPr fontAlgn="base"/>
+            <a:r>
+              <a:rPr lang="en-US" sz="1800" i="1" dirty="0">
+                <a:solidFill>
+                  <a:srgbClr val="000000"/>
+                </a:solidFill>
+                <a:latin typeface="Calibri"/>
+                <a:ea typeface="Calibri"/>
+                <a:cs typeface="Calibri"/>
+              </a:rPr>
+              <a:t>        	</a:t>
+            </a:r>
+            <a:r>
+              <a:rPr lang="en-US" sz="1800" b="0" i="1" dirty="0">
+                <a:solidFill>
+                  <a:srgbClr val="000000"/>
+                </a:solidFill>
+                <a:effectLst/>
+                <a:latin typeface="Calibri"/>
+                <a:ea typeface="Calibri"/>
+                <a:cs typeface="Calibri"/>
               </a:rPr>
               <a:t>THEN { Disease identified is Asthma } </a:t>
             </a:r>
@@ -12684,7 +12943,7 @@
           <p:nvPr/>
         </p:nvPicPr>
         <p:blipFill>
-          <a:blip r:embed="rId2">
+          <a:blip r:embed="rId4">
             <a:extLst>
               <a:ext uri="{28A0092B-C50C-407E-A947-70E740481C1C}">
                 <a14:useLocalDpi xmlns:a14="http://schemas.microsoft.com/office/drawing/2010/main" val="0"/>
@@ -12698,7 +12957,7 @@
         </p:blipFill>
         <p:spPr bwMode="auto">
           <a:xfrm>
-            <a:off x="8791327" y="3227834"/>
+            <a:off x="8728267" y="3164774"/>
             <a:ext cx="2743200" cy="1323975"/>
           </a:xfrm>
           <a:prstGeom prst="rect">
@@ -12731,15 +12990,55 @@
           <p:nvPr/>
         </p:nvPicPr>
         <p:blipFill>
-          <a:blip r:embed="rId3"/>
+          <a:blip r:embed="rId5"/>
           <a:stretch>
             <a:fillRect/>
           </a:stretch>
         </p:blipFill>
         <p:spPr>
           <a:xfrm>
-            <a:off x="9715104" y="4387752"/>
+            <a:off x="9715104" y="4240612"/>
             <a:ext cx="1819529" cy="1819529"/>
+          </a:xfrm>
+          <a:prstGeom prst="rect">
+            <a:avLst/>
+          </a:prstGeom>
+        </p:spPr>
+      </p:pic>
+      <p:pic>
+        <p:nvPicPr>
+          <p:cNvPr id="2" name="Audio Recording Apr 12, 2022 at 1:18:52 AM" descr="Audio Recording Apr 12, 2022 at 1:18:52 AM">
+            <a:hlinkClick r:id="" action="ppaction://media"/>
+            <a:extLst>
+              <a:ext uri="{FF2B5EF4-FFF2-40B4-BE49-F238E27FC236}">
+                <a16:creationId xmlns:a16="http://schemas.microsoft.com/office/drawing/2014/main" id="{B395DFE1-15A1-AE41-A37A-7CF808DD36F0}"/>
+              </a:ext>
+            </a:extLst>
+          </p:cNvPr>
+          <p:cNvPicPr>
+            <a:picLocks noChangeAspect="1"/>
+          </p:cNvPicPr>
+          <p:nvPr>
+            <a:audioFile r:link="rId1"/>
+            <p:extLst>
+              <p:ext uri="{DAA4B4D4-6D71-4841-9C94-3DE7FCFB9230}">
+                <p14:media xmlns:p14="http://schemas.microsoft.com/office/powerpoint/2010/main" r:embed="rId2">
+                  <p14:trim st="2601.9033" end="965.8083"/>
+                </p14:media>
+              </p:ext>
+            </p:extLst>
+          </p:nvPr>
+        </p:nvPicPr>
+        <p:blipFill>
+          <a:blip r:embed="rId6"/>
+          <a:stretch>
+            <a:fillRect/>
+          </a:stretch>
+        </p:blipFill>
+        <p:spPr>
+          <a:xfrm>
+            <a:off x="11218600" y="5792496"/>
+            <a:ext cx="812800" cy="812800"/>
           </a:xfrm>
           <a:prstGeom prst="rect">
             <a:avLst/>
@@ -12756,6 +13055,90 @@
   <p:clrMapOvr>
     <a:masterClrMapping/>
   </p:clrMapOvr>
+  <p:timing>
+    <p:tnLst>
+      <p:par>
+        <p:cTn id="1" dur="indefinite" restart="never" nodeType="tmRoot">
+          <p:childTnLst>
+            <p:seq concurrent="1" nextAc="seek">
+              <p:cTn id="2" dur="indefinite" nodeType="mainSeq">
+                <p:childTnLst>
+                  <p:par>
+                    <p:cTn id="3" fill="hold">
+                      <p:stCondLst>
+                        <p:cond delay="indefinite"/>
+                      </p:stCondLst>
+                      <p:childTnLst>
+                        <p:par>
+                          <p:cTn id="4" fill="hold">
+                            <p:stCondLst>
+                              <p:cond delay="0"/>
+                            </p:stCondLst>
+                            <p:childTnLst>
+                              <p:par>
+                                <p:cTn id="5" presetID="1" presetClass="mediacall" presetSubtype="0" fill="hold" nodeType="clickEffect">
+                                  <p:stCondLst>
+                                    <p:cond delay="0"/>
+                                  </p:stCondLst>
+                                  <p:childTnLst>
+                                    <p:cmd type="call" cmd="playFrom(0.0)">
+                                      <p:cBhvr>
+                                        <p:cTn id="6" dur="31056" fill="hold"/>
+                                        <p:tgtEl>
+                                          <p:spTgt spid="2"/>
+                                        </p:tgtEl>
+                                      </p:cBhvr>
+                                    </p:cmd>
+                                  </p:childTnLst>
+                                </p:cTn>
+                              </p:par>
+                            </p:childTnLst>
+                          </p:cTn>
+                        </p:par>
+                      </p:childTnLst>
+                    </p:cTn>
+                  </p:par>
+                </p:childTnLst>
+              </p:cTn>
+              <p:prevCondLst>
+                <p:cond evt="onPrev" delay="0">
+                  <p:tgtEl>
+                    <p:sldTgt/>
+                  </p:tgtEl>
+                </p:cond>
+              </p:prevCondLst>
+              <p:nextCondLst>
+                <p:cond evt="onNext" delay="0">
+                  <p:tgtEl>
+                    <p:sldTgt/>
+                  </p:tgtEl>
+                </p:cond>
+              </p:nextCondLst>
+            </p:seq>
+            <p:audio>
+              <p:cMediaNode vol="80000">
+                <p:cTn id="7" fill="hold" display="0">
+                  <p:stCondLst>
+                    <p:cond delay="indefinite"/>
+                  </p:stCondLst>
+                  <p:endCondLst>
+                    <p:cond evt="onStopAudio" delay="0">
+                      <p:tgtEl>
+                        <p:sldTgt/>
+                      </p:tgtEl>
+                    </p:cond>
+                  </p:endCondLst>
+                </p:cTn>
+                <p:tgtEl>
+                  <p:spTgt spid="2"/>
+                </p:tgtEl>
+              </p:cMediaNode>
+            </p:audio>
+          </p:childTnLst>
+        </p:cTn>
+      </p:par>
+    </p:tnLst>
+  </p:timing>
 </p:sld>
 </file>
 
@@ -12824,7 +13207,7 @@
           <p:nvPr/>
         </p:nvPicPr>
         <p:blipFill>
-          <a:blip r:embed="rId2">
+          <a:blip r:embed="rId4">
             <a:extLst>
               <a:ext uri="{28A0092B-C50C-407E-A947-70E740481C1C}">
                 <a14:useLocalDpi xmlns:a14="http://schemas.microsoft.com/office/drawing/2010/main" val="0"/>
@@ -12856,6 +13239,46 @@
           </a:extLst>
         </p:spPr>
       </p:pic>
+      <p:pic>
+        <p:nvPicPr>
+          <p:cNvPr id="4" name="Audio Recording Apr 12, 2022 at 1:24:13 AM" descr="Audio Recording Apr 12, 2022 at 1:24:13 AM">
+            <a:hlinkClick r:id="" action="ppaction://media"/>
+            <a:extLst>
+              <a:ext uri="{FF2B5EF4-FFF2-40B4-BE49-F238E27FC236}">
+                <a16:creationId xmlns:a16="http://schemas.microsoft.com/office/drawing/2014/main" id="{03772448-CDAA-A142-807B-202546D3918F}"/>
+              </a:ext>
+            </a:extLst>
+          </p:cNvPr>
+          <p:cNvPicPr>
+            <a:picLocks noChangeAspect="1"/>
+          </p:cNvPicPr>
+          <p:nvPr>
+            <a:audioFile r:link="rId1"/>
+            <p:extLst>
+              <p:ext uri="{DAA4B4D4-6D71-4841-9C94-3DE7FCFB9230}">
+                <p14:media xmlns:p14="http://schemas.microsoft.com/office/powerpoint/2010/main" r:embed="rId2">
+                  <p14:trim st="722.2616" end="588.1476"/>
+                </p14:media>
+              </p:ext>
+            </p:extLst>
+          </p:nvPr>
+        </p:nvPicPr>
+        <p:blipFill>
+          <a:blip r:embed="rId5"/>
+          <a:stretch>
+            <a:fillRect/>
+          </a:stretch>
+        </p:blipFill>
+        <p:spPr>
+          <a:xfrm>
+            <a:off x="11088567" y="5711483"/>
+            <a:ext cx="812800" cy="812800"/>
+          </a:xfrm>
+          <a:prstGeom prst="rect">
+            <a:avLst/>
+          </a:prstGeom>
+        </p:spPr>
+      </p:pic>
     </p:spTree>
     <p:extLst>
       <p:ext uri="{BB962C8B-B14F-4D97-AF65-F5344CB8AC3E}">
@@ -12866,6 +13289,90 @@
   <p:clrMapOvr>
     <a:masterClrMapping/>
   </p:clrMapOvr>
+  <p:timing>
+    <p:tnLst>
+      <p:par>
+        <p:cTn id="1" dur="indefinite" restart="never" nodeType="tmRoot">
+          <p:childTnLst>
+            <p:seq concurrent="1" nextAc="seek">
+              <p:cTn id="2" dur="indefinite" nodeType="mainSeq">
+                <p:childTnLst>
+                  <p:par>
+                    <p:cTn id="3" fill="hold">
+                      <p:stCondLst>
+                        <p:cond delay="indefinite"/>
+                      </p:stCondLst>
+                      <p:childTnLst>
+                        <p:par>
+                          <p:cTn id="4" fill="hold">
+                            <p:stCondLst>
+                              <p:cond delay="0"/>
+                            </p:stCondLst>
+                            <p:childTnLst>
+                              <p:par>
+                                <p:cTn id="5" presetID="1" presetClass="mediacall" presetSubtype="0" fill="hold" nodeType="clickEffect">
+                                  <p:stCondLst>
+                                    <p:cond delay="0"/>
+                                  </p:stCondLst>
+                                  <p:childTnLst>
+                                    <p:cmd type="call" cmd="playFrom(0.0)">
+                                      <p:cBhvr>
+                                        <p:cTn id="6" dur="2529" fill="hold"/>
+                                        <p:tgtEl>
+                                          <p:spTgt spid="4"/>
+                                        </p:tgtEl>
+                                      </p:cBhvr>
+                                    </p:cmd>
+                                  </p:childTnLst>
+                                </p:cTn>
+                              </p:par>
+                            </p:childTnLst>
+                          </p:cTn>
+                        </p:par>
+                      </p:childTnLst>
+                    </p:cTn>
+                  </p:par>
+                </p:childTnLst>
+              </p:cTn>
+              <p:prevCondLst>
+                <p:cond evt="onPrev" delay="0">
+                  <p:tgtEl>
+                    <p:sldTgt/>
+                  </p:tgtEl>
+                </p:cond>
+              </p:prevCondLst>
+              <p:nextCondLst>
+                <p:cond evt="onNext" delay="0">
+                  <p:tgtEl>
+                    <p:sldTgt/>
+                  </p:tgtEl>
+                </p:cond>
+              </p:nextCondLst>
+            </p:seq>
+            <p:audio>
+              <p:cMediaNode vol="80000">
+                <p:cTn id="7" fill="hold" display="0">
+                  <p:stCondLst>
+                    <p:cond delay="indefinite"/>
+                  </p:stCondLst>
+                  <p:endCondLst>
+                    <p:cond evt="onStopAudio" delay="0">
+                      <p:tgtEl>
+                        <p:sldTgt/>
+                      </p:tgtEl>
+                    </p:cond>
+                  </p:endCondLst>
+                </p:cTn>
+                <p:tgtEl>
+                  <p:spTgt spid="4"/>
+                </p:tgtEl>
+              </p:cMediaNode>
+            </p:audio>
+          </p:childTnLst>
+        </p:cTn>
+      </p:par>
+    </p:tnLst>
+  </p:timing>
 </p:sld>
 </file>
 
@@ -13590,4 +14097,226 @@
     </a:ext>
   </a:extLst>
 </a:theme>
+</file>
+
+<file path=customXml/item1.xml><?xml version="1.0" encoding="utf-8"?>
+<?mso-contentType ?>
+<FormTemplates xmlns="http://schemas.microsoft.com/sharepoint/v3/contenttype/forms">
+  <Display>DocumentLibraryForm</Display>
+  <Edit>DocumentLibraryForm</Edit>
+  <New>DocumentLibraryForm</New>
+</FormTemplates>
+</file>
+
+<file path=customXml/item2.xml><?xml version="1.0" encoding="utf-8"?>
+<p:properties xmlns:p="http://schemas.microsoft.com/office/2006/metadata/properties" xmlns:xsi="http://www.w3.org/2001/XMLSchema-instance" xmlns:pc="http://schemas.microsoft.com/office/infopath/2007/PartnerControls">
+  <documentManagement/>
+</p:properties>
+</file>
+
+<file path=customXml/item3.xml><?xml version="1.0" encoding="utf-8"?>
+<ct:contentTypeSchema xmlns:ct="http://schemas.microsoft.com/office/2006/metadata/contentType" xmlns:ma="http://schemas.microsoft.com/office/2006/metadata/properties/metaAttributes" ct:_="" ma:_="" ma:contentTypeName="Document" ma:contentTypeID="0x010100E0D36D8C0A5043428C2DDE91E468A8B2" ma:contentTypeVersion="8" ma:contentTypeDescription="Create a new document." ma:contentTypeScope="" ma:versionID="efcfa5f582c6d5a95e8d927f3383a0d6">
+  <xsd:schema xmlns:xsd="http://www.w3.org/2001/XMLSchema" xmlns:xs="http://www.w3.org/2001/XMLSchema" xmlns:p="http://schemas.microsoft.com/office/2006/metadata/properties" xmlns:ns2="b4d7c522-5109-4367-a306-f9dd1e06673b" targetNamespace="http://schemas.microsoft.com/office/2006/metadata/properties" ma:root="true" ma:fieldsID="cf644c5791a229f835a9162be5afe9df" ns2:_="">
+    <xsd:import namespace="b4d7c522-5109-4367-a306-f9dd1e06673b"/>
+    <xsd:element name="properties">
+      <xsd:complexType>
+        <xsd:sequence>
+          <xsd:element name="documentManagement">
+            <xsd:complexType>
+              <xsd:all>
+                <xsd:element ref="ns2:MediaServiceMetadata" minOccurs="0"/>
+                <xsd:element ref="ns2:MediaServiceFastMetadata" minOccurs="0"/>
+                <xsd:element ref="ns2:MediaServiceAutoTags" minOccurs="0"/>
+                <xsd:element ref="ns2:MediaServiceOCR" minOccurs="0"/>
+                <xsd:element ref="ns2:MediaServiceGenerationTime" minOccurs="0"/>
+                <xsd:element ref="ns2:MediaServiceEventHashCode" minOccurs="0"/>
+                <xsd:element ref="ns2:MediaServiceAutoKeyPoints" minOccurs="0"/>
+                <xsd:element ref="ns2:MediaServiceKeyPoints" minOccurs="0"/>
+              </xsd:all>
+            </xsd:complexType>
+          </xsd:element>
+        </xsd:sequence>
+      </xsd:complexType>
+    </xsd:element>
+  </xsd:schema>
+  <xsd:schema xmlns:xsd="http://www.w3.org/2001/XMLSchema" xmlns:xs="http://www.w3.org/2001/XMLSchema" xmlns:dms="http://schemas.microsoft.com/office/2006/documentManagement/types" xmlns:pc="http://schemas.microsoft.com/office/infopath/2007/PartnerControls" targetNamespace="b4d7c522-5109-4367-a306-f9dd1e06673b" elementFormDefault="qualified">
+    <xsd:import namespace="http://schemas.microsoft.com/office/2006/documentManagement/types"/>
+    <xsd:import namespace="http://schemas.microsoft.com/office/infopath/2007/PartnerControls"/>
+    <xsd:element name="MediaServiceMetadata" ma:index="8" nillable="true" ma:displayName="MediaServiceMetadata" ma:hidden="true" ma:internalName="MediaServiceMetadata" ma:readOnly="true">
+      <xsd:simpleType>
+        <xsd:restriction base="dms:Note"/>
+      </xsd:simpleType>
+    </xsd:element>
+    <xsd:element name="MediaServiceFastMetadata" ma:index="9" nillable="true" ma:displayName="MediaServiceFastMetadata" ma:hidden="true" ma:internalName="MediaServiceFastMetadata" ma:readOnly="true">
+      <xsd:simpleType>
+        <xsd:restriction base="dms:Note"/>
+      </xsd:simpleType>
+    </xsd:element>
+    <xsd:element name="MediaServiceAutoTags" ma:index="10" nillable="true" ma:displayName="Tags" ma:internalName="MediaServiceAutoTags" ma:readOnly="true">
+      <xsd:simpleType>
+        <xsd:restriction base="dms:Text"/>
+      </xsd:simpleType>
+    </xsd:element>
+    <xsd:element name="MediaServiceOCR" ma:index="11" nillable="true" ma:displayName="Extracted Text" ma:internalName="MediaServiceOCR" ma:readOnly="true">
+      <xsd:simpleType>
+        <xsd:restriction base="dms:Note">
+          <xsd:maxLength value="255"/>
+        </xsd:restriction>
+      </xsd:simpleType>
+    </xsd:element>
+    <xsd:element name="MediaServiceGenerationTime" ma:index="12" nillable="true" ma:displayName="MediaServiceGenerationTime" ma:hidden="true" ma:internalName="MediaServiceGenerationTime" ma:readOnly="true">
+      <xsd:simpleType>
+        <xsd:restriction base="dms:Text"/>
+      </xsd:simpleType>
+    </xsd:element>
+    <xsd:element name="MediaServiceEventHashCode" ma:index="13" nillable="true" ma:displayName="MediaServiceEventHashCode" ma:hidden="true" ma:internalName="MediaServiceEventHashCode" ma:readOnly="true">
+      <xsd:simpleType>
+        <xsd:restriction base="dms:Text"/>
+      </xsd:simpleType>
+    </xsd:element>
+    <xsd:element name="MediaServiceAutoKeyPoints" ma:index="14" nillable="true" ma:displayName="MediaServiceAutoKeyPoints" ma:hidden="true" ma:internalName="MediaServiceAutoKeyPoints" ma:readOnly="true">
+      <xsd:simpleType>
+        <xsd:restriction base="dms:Note"/>
+      </xsd:simpleType>
+    </xsd:element>
+    <xsd:element name="MediaServiceKeyPoints" ma:index="15" nillable="true" ma:displayName="KeyPoints" ma:internalName="MediaServiceKeyPoints" ma:readOnly="true">
+      <xsd:simpleType>
+        <xsd:restriction base="dms:Note">
+          <xsd:maxLength value="255"/>
+        </xsd:restriction>
+      </xsd:simpleType>
+    </xsd:element>
+  </xsd:schema>
+  <xsd:schema xmlns="http://schemas.openxmlformats.org/package/2006/metadata/core-properties" xmlns:xsd="http://www.w3.org/2001/XMLSchema" xmlns:xsi="http://www.w3.org/2001/XMLSchema-instance" xmlns:dc="http://purl.org/dc/elements/1.1/" xmlns:dcterms="http://purl.org/dc/terms/" xmlns:odoc="http://schemas.microsoft.com/internal/obd" targetNamespace="http://schemas.openxmlformats.org/package/2006/metadata/core-properties" elementFormDefault="qualified" attributeFormDefault="unqualified" blockDefault="#all">
+    <xsd:import namespace="http://purl.org/dc/elements/1.1/" schemaLocation="http://dublincore.org/schemas/xmls/qdc/2003/04/02/dc.xsd"/>
+    <xsd:import namespace="http://purl.org/dc/terms/" schemaLocation="http://dublincore.org/schemas/xmls/qdc/2003/04/02/dcterms.xsd"/>
+    <xsd:element name="coreProperties" type="CT_coreProperties"/>
+    <xsd:complexType name="CT_coreProperties">
+      <xsd:all>
+        <xsd:element ref="dc:creator" minOccurs="0" maxOccurs="1"/>
+        <xsd:element ref="dcterms:created" minOccurs="0" maxOccurs="1"/>
+        <xsd:element ref="dc:identifier" minOccurs="0" maxOccurs="1"/>
+        <xsd:element name="contentType" minOccurs="0" maxOccurs="1" type="xsd:string" ma:index="0" ma:displayName="Content Type"/>
+        <xsd:element ref="dc:title" minOccurs="0" maxOccurs="1" ma:index="4" ma:displayName="Title"/>
+        <xsd:element ref="dc:subject" minOccurs="0" maxOccurs="1"/>
+        <xsd:element ref="dc:description" minOccurs="0" maxOccurs="1"/>
+        <xsd:element name="keywords" minOccurs="0" maxOccurs="1" type="xsd:string"/>
+        <xsd:element ref="dc:language" minOccurs="0" maxOccurs="1"/>
+        <xsd:element name="category" minOccurs="0" maxOccurs="1" type="xsd:string"/>
+        <xsd:element name="version" minOccurs="0" maxOccurs="1" type="xsd:string"/>
+        <xsd:element name="revision" minOccurs="0" maxOccurs="1" type="xsd:string">
+          <xsd:annotation>
+            <xsd:documentation>
+                        This value indicates the number of saves or revisions. The application is responsible for updating this value after each revision.
+                    </xsd:documentation>
+          </xsd:annotation>
+        </xsd:element>
+        <xsd:element name="lastModifiedBy" minOccurs="0" maxOccurs="1" type="xsd:string"/>
+        <xsd:element ref="dcterms:modified" minOccurs="0" maxOccurs="1"/>
+        <xsd:element name="contentStatus" minOccurs="0" maxOccurs="1" type="xsd:string"/>
+      </xsd:all>
+    </xsd:complexType>
+  </xsd:schema>
+  <xs:schema xmlns:pc="http://schemas.microsoft.com/office/infopath/2007/PartnerControls" xmlns:xs="http://www.w3.org/2001/XMLSchema" targetNamespace="http://schemas.microsoft.com/office/infopath/2007/PartnerControls" elementFormDefault="qualified" attributeFormDefault="unqualified">
+    <xs:element name="Person">
+      <xs:complexType>
+        <xs:sequence>
+          <xs:element ref="pc:DisplayName" minOccurs="0"/>
+          <xs:element ref="pc:AccountId" minOccurs="0"/>
+          <xs:element ref="pc:AccountType" minOccurs="0"/>
+        </xs:sequence>
+      </xs:complexType>
+    </xs:element>
+    <xs:element name="DisplayName" type="xs:string"/>
+    <xs:element name="AccountId" type="xs:string"/>
+    <xs:element name="AccountType" type="xs:string"/>
+    <xs:element name="BDCAssociatedEntity">
+      <xs:complexType>
+        <xs:sequence>
+          <xs:element ref="pc:BDCEntity" minOccurs="0" maxOccurs="unbounded"/>
+        </xs:sequence>
+        <xs:attribute ref="pc:EntityNamespace"/>
+        <xs:attribute ref="pc:EntityName"/>
+        <xs:attribute ref="pc:SystemInstanceName"/>
+        <xs:attribute ref="pc:AssociationName"/>
+      </xs:complexType>
+    </xs:element>
+    <xs:attribute name="EntityNamespace" type="xs:string"/>
+    <xs:attribute name="EntityName" type="xs:string"/>
+    <xs:attribute name="SystemInstanceName" type="xs:string"/>
+    <xs:attribute name="AssociationName" type="xs:string"/>
+    <xs:element name="BDCEntity">
+      <xs:complexType>
+        <xs:sequence>
+          <xs:element ref="pc:EntityDisplayName" minOccurs="0"/>
+          <xs:element ref="pc:EntityInstanceReference" minOccurs="0"/>
+          <xs:element ref="pc:EntityId1" minOccurs="0"/>
+          <xs:element ref="pc:EntityId2" minOccurs="0"/>
+          <xs:element ref="pc:EntityId3" minOccurs="0"/>
+          <xs:element ref="pc:EntityId4" minOccurs="0"/>
+          <xs:element ref="pc:EntityId5" minOccurs="0"/>
+        </xs:sequence>
+      </xs:complexType>
+    </xs:element>
+    <xs:element name="EntityDisplayName" type="xs:string"/>
+    <xs:element name="EntityInstanceReference" type="xs:string"/>
+    <xs:element name="EntityId1" type="xs:string"/>
+    <xs:element name="EntityId2" type="xs:string"/>
+    <xs:element name="EntityId3" type="xs:string"/>
+    <xs:element name="EntityId4" type="xs:string"/>
+    <xs:element name="EntityId5" type="xs:string"/>
+    <xs:element name="Terms">
+      <xs:complexType>
+        <xs:sequence>
+          <xs:element ref="pc:TermInfo" minOccurs="0" maxOccurs="unbounded"/>
+        </xs:sequence>
+      </xs:complexType>
+    </xs:element>
+    <xs:element name="TermInfo">
+      <xs:complexType>
+        <xs:sequence>
+          <xs:element ref="pc:TermName" minOccurs="0"/>
+          <xs:element ref="pc:TermId" minOccurs="0"/>
+        </xs:sequence>
+      </xs:complexType>
+    </xs:element>
+    <xs:element name="TermName" type="xs:string"/>
+    <xs:element name="TermId" type="xs:string"/>
+  </xs:schema>
+</ct:contentTypeSchema>
+</file>
+
+<file path=customXml/itemProps1.xml><?xml version="1.0" encoding="utf-8"?>
+<ds:datastoreItem xmlns:ds="http://schemas.openxmlformats.org/officeDocument/2006/customXml" ds:itemID="{415B8416-9D2F-4BE1-A8C9-179E76FCA41E}">
+  <ds:schemaRefs>
+    <ds:schemaRef ds:uri="http://schemas.microsoft.com/sharepoint/v3/contenttype/forms"/>
+  </ds:schemaRefs>
+</ds:datastoreItem>
+</file>
+
+<file path=customXml/itemProps2.xml><?xml version="1.0" encoding="utf-8"?>
+<ds:datastoreItem xmlns:ds="http://schemas.openxmlformats.org/officeDocument/2006/customXml" ds:itemID="{F72251A8-FFEC-4BB1-9324-F3EDDFEE0EEE}">
+  <ds:schemaRefs>
+    <ds:schemaRef ds:uri="http://schemas.microsoft.com/office/2006/metadata/properties"/>
+    <ds:schemaRef ds:uri="http://schemas.microsoft.com/office/infopath/2007/PartnerControls"/>
+  </ds:schemaRefs>
+</ds:datastoreItem>
+</file>
+
+<file path=customXml/itemProps3.xml><?xml version="1.0" encoding="utf-8"?>
+<ds:datastoreItem xmlns:ds="http://schemas.openxmlformats.org/officeDocument/2006/customXml" ds:itemID="{77C1BFF2-7AEF-479D-AC30-BBA8CA897B4D}">
+  <ds:schemaRefs>
+    <ds:schemaRef ds:uri="http://schemas.microsoft.com/office/2006/metadata/contentType"/>
+    <ds:schemaRef ds:uri="http://schemas.microsoft.com/office/2006/metadata/properties/metaAttributes"/>
+    <ds:schemaRef ds:uri="http://www.w3.org/2001/XMLSchema"/>
+    <ds:schemaRef ds:uri="http://schemas.microsoft.com/office/2006/metadata/properties"/>
+    <ds:schemaRef ds:uri="b4d7c522-5109-4367-a306-f9dd1e06673b"/>
+    <ds:schemaRef ds:uri="http://schemas.microsoft.com/office/2006/documentManagement/types"/>
+    <ds:schemaRef ds:uri="http://schemas.microsoft.com/office/infopath/2007/PartnerControls"/>
+    <ds:schemaRef ds:uri="http://schemas.openxmlformats.org/package/2006/metadata/core-properties"/>
+    <ds:schemaRef ds:uri="http://purl.org/dc/elements/1.1/"/>
+    <ds:schemaRef ds:uri="http://purl.org/dc/terms/"/>
+    <ds:schemaRef ds:uri="http://schemas.microsoft.com/internal/obd"/>
+  </ds:schemaRefs>
+</ds:datastoreItem>
 </file>